--- a/python-for-beginners/Slides/14 - FunctionParameters.pptx
+++ b/python-for-beginners/Slides/14 - FunctionParameters.pptx
@@ -279,6 +279,15 @@
     </pc:docChg>
   </pc:docChgLst>
   <pc:docChgLst>
+    <pc:chgData name="susan ibach" userId="11074aa641b35c68" providerId="LiveId" clId="{100ED00D-7AE8-480F-890B-C49E9FA6711B}"/>
+    <pc:docChg chg="custSel modSld">
+      <pc:chgData name="susan ibach" userId="11074aa641b35c68" providerId="LiveId" clId="{100ED00D-7AE8-480F-890B-C49E9FA6711B}" dt="2019-05-30T15:17:43.472" v="52" actId="207"/>
+      <pc:docMkLst>
+        <pc:docMk/>
+      </pc:docMkLst>
+    </pc:docChg>
+  </pc:docChgLst>
+  <pc:docChgLst>
     <pc:chgData name="susan ibach" userId="11074aa641b35c68" providerId="LiveId" clId="{8C4834CC-AAFC-417A-9869-4271BFA334C2}"/>
     <pc:docChg chg="undo custSel addSld delSld modSld sldOrd modSection">
       <pc:chgData name="susan ibach" userId="11074aa641b35c68" providerId="LiveId" clId="{8C4834CC-AAFC-417A-9869-4271BFA334C2}" dt="2019-06-09T14:33:01.875" v="1493"/>
@@ -520,15 +529,6 @@
       </pc:sldChg>
     </pc:docChg>
   </pc:docChgLst>
-  <pc:docChgLst>
-    <pc:chgData name="susan ibach" userId="11074aa641b35c68" providerId="LiveId" clId="{100ED00D-7AE8-480F-890B-C49E9FA6711B}"/>
-    <pc:docChg chg="custSel modSld">
-      <pc:chgData name="susan ibach" userId="11074aa641b35c68" providerId="LiveId" clId="{100ED00D-7AE8-480F-890B-C49E9FA6711B}" dt="2019-05-30T15:17:43.472" v="52" actId="207"/>
-      <pc:docMkLst>
-        <pc:docMk/>
-      </pc:docMkLst>
-    </pc:docChg>
-  </pc:docChgLst>
 </pc:chgInfo>
 </file>
 
@@ -618,7 +618,7 @@
               <a:rPr lang="en-US" smtClean="0">
                 <a:latin typeface="Segoe UI" pitchFamily="34" charset="0"/>
               </a:rPr>
-              <a:t>6/9/2019 7:33 AM</a:t>
+              <a:t>7/17/2020 9:10 PM</a:t>
             </a:fld>
             <a:endParaRPr lang="en-US" dirty="0">
               <a:latin typeface="Segoe UI" pitchFamily="34" charset="0"/>
@@ -896,7 +896,7 @@
           <a:p>
             <a:fld id="{38EEC551-8CDA-4EB6-89BB-2A86C9F091C8}" type="datetime8">
               <a:rPr lang="en-US" smtClean="0"/>
-              <a:t>6/9/2019 7:32 AM</a:t>
+              <a:t>7/17/2020 9:10 PM</a:t>
             </a:fld>
             <a:endParaRPr lang="en-US" dirty="0"/>
           </a:p>
@@ -1230,7 +1230,7 @@
           <a:p>
             <a:fld id="{6108602D-D426-4C00-B215-BFA18C076426}" type="datetime8">
               <a:rPr lang="en-US" smtClean="0"/>
-              <a:t>6/9/2019 7:32 AM</a:t>
+              <a:t>7/17/2020 9:10 PM</a:t>
             </a:fld>
             <a:endParaRPr lang="en-US" dirty="0"/>
           </a:p>
@@ -1395,7 +1395,7 @@
           <a:p>
             <a:fld id="{6108602D-D426-4C00-B215-BFA18C076426}" type="datetime8">
               <a:rPr lang="en-US" smtClean="0"/>
-              <a:t>6/9/2019 7:32 AM</a:t>
+              <a:t>7/17/2020 9:10 PM</a:t>
             </a:fld>
             <a:endParaRPr lang="en-US" dirty="0"/>
           </a:p>
@@ -1560,7 +1560,7 @@
           <a:p>
             <a:fld id="{6108602D-D426-4C00-B215-BFA18C076426}" type="datetime8">
               <a:rPr lang="en-US" smtClean="0"/>
-              <a:t>6/9/2019 7:32 AM</a:t>
+              <a:t>7/17/2020 9:10 PM</a:t>
             </a:fld>
             <a:endParaRPr lang="en-US" dirty="0"/>
           </a:p>
@@ -1725,7 +1725,7 @@
           <a:p>
             <a:fld id="{6108602D-D426-4C00-B215-BFA18C076426}" type="datetime8">
               <a:rPr lang="en-US" smtClean="0"/>
-              <a:t>6/9/2019 7:32 AM</a:t>
+              <a:t>7/17/2020 9:10 PM</a:t>
             </a:fld>
             <a:endParaRPr lang="en-US" dirty="0"/>
           </a:p>
@@ -1890,7 +1890,7 @@
           <a:p>
             <a:fld id="{6108602D-D426-4C00-B215-BFA18C076426}" type="datetime8">
               <a:rPr lang="en-US" smtClean="0"/>
-              <a:t>6/9/2019 7:32 AM</a:t>
+              <a:t>7/17/2020 9:10 PM</a:t>
             </a:fld>
             <a:endParaRPr lang="en-US" dirty="0"/>
           </a:p>
@@ -2055,7 +2055,7 @@
           <a:p>
             <a:fld id="{6108602D-D426-4C00-B215-BFA18C076426}" type="datetime8">
               <a:rPr lang="en-US" smtClean="0"/>
-              <a:t>6/9/2019 7:32 AM</a:t>
+              <a:t>7/17/2020 9:10 PM</a:t>
             </a:fld>
             <a:endParaRPr lang="en-US" dirty="0"/>
           </a:p>
@@ -40353,13 +40353,34 @@
           </a:lstStyle>
           <a:p>
             <a:r>
+              <a:rPr lang="en-US" dirty="0" err="1">
+                <a:solidFill>
+                  <a:schemeClr val="bg1"/>
+                </a:solidFill>
+              </a:rPr>
+              <a:t>Parâmetros</a:t>
+            </a:r>
+            <a:r>
               <a:rPr lang="en-US" dirty="0">
                 <a:solidFill>
                   <a:schemeClr val="bg1"/>
                 </a:solidFill>
               </a:rPr>
-              <a:t>Function parameters</a:t>
+              <a:t> de </a:t>
             </a:r>
+            <a:r>
+              <a:rPr lang="en-US" dirty="0" err="1">
+                <a:solidFill>
+                  <a:schemeClr val="bg1"/>
+                </a:solidFill>
+              </a:rPr>
+              <a:t>funções</a:t>
+            </a:r>
+            <a:endParaRPr lang="en-US" dirty="0">
+              <a:solidFill>
+                <a:schemeClr val="bg1"/>
+              </a:solidFill>
+            </a:endParaRPr>
           </a:p>
         </p:txBody>
       </p:sp>
@@ -40373,11 +40394,11 @@
   <p:clrMapOvr>
     <a:masterClrMapping/>
   </p:clrMapOvr>
-  <mc:AlternateContent xmlns:mc="http://schemas.openxmlformats.org/markup-compatibility/2006">
-    <mc:Choice xmlns:p14="http://schemas.microsoft.com/office/powerpoint/2010/main" Requires="p14">
+  <mc:AlternateContent xmlns:mc="http://schemas.openxmlformats.org/markup-compatibility/2006" xmlns:p14="http://schemas.microsoft.com/office/powerpoint/2010/main">
+    <mc:Choice Requires="p14">
       <p:transition p14:dur="10"/>
     </mc:Choice>
-    <mc:Fallback>
+    <mc:Fallback xmlns="">
       <p:transition/>
     </mc:Fallback>
   </mc:AlternateContent>
@@ -45262,11 +45283,41 @@
 
 <file path=customXml/item1.xml><?xml version="1.0" encoding="utf-8"?>
 <Control xmlns="http://schemas.microsoft.com/VisualStudio/2011/storyboarding/control">
-  <Id Name="fb22c541-ded0-47fa-8877-83a4c2d16227" Revision="1" Stencil="7276b9ef-3953-4dce-a89b-ed85f20b8b93" StencilVersion="1.0"/>
+  <Id Name="a53d73d2-368b-429e-b817-1324eec1382c" Revision="1" Stencil="7276b9ef-3953-4dce-a89b-ed85f20b8b93" StencilVersion="1.0"/>
 </Control>
 </file>
 
 <file path=customXml/item10.xml><?xml version="1.0" encoding="utf-8"?>
+<Control xmlns="http://schemas.microsoft.com/VisualStudio/2011/storyboarding/control">
+  <Id Name="369f9055-6b6c-48b9-9320-5df2d46c430a" Revision="1" Stencil="7276b9ef-3953-4dce-a89b-ed85f20b8b93" StencilVersion="1.0"/>
+</Control>
+</file>
+
+<file path=customXml/item11.xml><?xml version="1.0" encoding="utf-8"?>
+<Control xmlns="http://schemas.microsoft.com/VisualStudio/2011/storyboarding/control">
+  <Id Name="a53d73d2-368b-429e-b817-1324eec1382c" Revision="1" Stencil="7276b9ef-3953-4dce-a89b-ed85f20b8b93" StencilVersion="1.0"/>
+</Control>
+</file>
+
+<file path=customXml/item12.xml><?xml version="1.0" encoding="utf-8"?>
+<Control xmlns="http://schemas.microsoft.com/VisualStudio/2011/storyboarding/control">
+  <Id Name="a2191c86-fc50-4add-948c-129f6b5a88d8" Revision="1" Stencil="7276b9ef-3953-4dce-a89b-ed85f20b8b93" StencilVersion="1.0"/>
+</Control>
+</file>
+
+<file path=customXml/item13.xml><?xml version="1.0" encoding="utf-8"?>
+<Control xmlns="http://schemas.microsoft.com/VisualStudio/2011/storyboarding/control">
+  <Id Name="369f9055-6b6c-48b9-9320-5df2d46c430a" Revision="1" Stencil="7276b9ef-3953-4dce-a89b-ed85f20b8b93" StencilVersion="1.0"/>
+</Control>
+</file>
+
+<file path=customXml/item14.xml><?xml version="1.0" encoding="utf-8"?>
+<Control xmlns="http://schemas.microsoft.com/VisualStudio/2011/storyboarding/control">
+  <Id Name="a53d73d2-368b-429e-b817-1324eec1382c" Revision="1" Stencil="7276b9ef-3953-4dce-a89b-ed85f20b8b93" StencilVersion="1.0"/>
+</Control>
+</file>
+
+<file path=customXml/item15.xml><?xml version="1.0" encoding="utf-8"?>
 <?mso-contentType ?>
 <FormTemplates xmlns="http://schemas.microsoft.com/sharepoint/v3/contenttype/forms">
   <Display>DocumentLibraryForm</Display>
@@ -45275,7 +45326,70 @@
 </FormTemplates>
 </file>
 
-<file path=customXml/item11.xml><?xml version="1.0" encoding="utf-8"?>
+<file path=customXml/item16.xml><?xml version="1.0" encoding="utf-8"?>
+<?mso-contentType ?>
+<FormTemplates xmlns="http://schemas.microsoft.com/sharepoint/v3/contenttype/forms">
+  <Display>DocumentLibraryForm</Display>
+  <Edit>DocumentLibraryForm</Edit>
+  <New>DocumentLibraryForm</New>
+</FormTemplates>
+</file>
+
+<file path=customXml/item17.xml><?xml version="1.0" encoding="utf-8"?>
+<Control xmlns="http://schemas.microsoft.com/VisualStudio/2011/storyboarding/control">
+  <Id Name="a2191c86-fc50-4add-948c-129f6b5a88d8" Revision="1" Stencil="7276b9ef-3953-4dce-a89b-ed85f20b8b93" StencilVersion="1.0"/>
+</Control>
+</file>
+
+<file path=customXml/item18.xml><?xml version="1.0" encoding="utf-8"?>
+<?mso-contentType ?>
+<FormTemplates xmlns="http://schemas.microsoft.com/sharepoint/v3/contenttype/forms">
+  <Display>DocumentLibraryForm</Display>
+  <Edit>DocumentLibraryForm</Edit>
+  <New>DocumentLibraryForm</New>
+</FormTemplates>
+</file>
+
+<file path=customXml/item19.xml><?xml version="1.0" encoding="utf-8"?>
+<?mso-contentType ?>
+<FormTemplates xmlns="http://schemas.microsoft.com/sharepoint/v3/contenttype/forms">
+  <Display>DocumentLibraryForm</Display>
+  <Edit>DocumentLibraryForm</Edit>
+  <New>DocumentLibraryForm</New>
+</FormTemplates>
+</file>
+
+<file path=customXml/item2.xml><?xml version="1.0" encoding="utf-8"?>
+<Control xmlns="http://schemas.microsoft.com/VisualStudio/2011/storyboarding/control">
+  <Id Name="a2191c86-fc50-4add-948c-129f6b5a88d8" Revision="1" Stencil="7276b9ef-3953-4dce-a89b-ed85f20b8b93" StencilVersion="1.0"/>
+</Control>
+</file>
+
+<file path=customXml/item20.xml><?xml version="1.0" encoding="utf-8"?>
+<Control xmlns="http://schemas.microsoft.com/VisualStudio/2011/storyboarding/control">
+  <Id Name="369f9055-6b6c-48b9-9320-5df2d46c430a" Revision="1" Stencil="7276b9ef-3953-4dce-a89b-ed85f20b8b93" StencilVersion="1.0"/>
+</Control>
+</file>
+
+<file path=customXml/item21.xml><?xml version="1.0" encoding="utf-8"?>
+<Control xmlns="http://schemas.microsoft.com/VisualStudio/2011/storyboarding/control">
+  <Id Name="d69996e1-3d61-4686-9b63-f1b855c596ab" Revision="1" Stencil="7276b9ef-3953-4dce-a89b-ed85f20b8b93" StencilVersion="1.0"/>
+</Control>
+</file>
+
+<file path=customXml/item22.xml><?xml version="1.0" encoding="utf-8"?>
+<Control xmlns="http://schemas.microsoft.com/VisualStudio/2011/storyboarding/control">
+  <Id Name="d69996e1-3d61-4686-9b63-f1b855c596ab" Revision="1" Stencil="7276b9ef-3953-4dce-a89b-ed85f20b8b93" StencilVersion="1.0"/>
+</Control>
+</file>
+
+<file path=customXml/item23.xml><?xml version="1.0" encoding="utf-8"?>
+<Control xmlns="http://schemas.microsoft.com/VisualStudio/2011/storyboarding/control">
+  <Id Name="a2191c86-fc50-4add-948c-129f6b5a88d8" Revision="1" Stencil="7276b9ef-3953-4dce-a89b-ed85f20b8b93" StencilVersion="1.0"/>
+</Control>
+</file>
+
+<file path=customXml/item24.xml><?xml version="1.0" encoding="utf-8"?>
 <p:properties xmlns:p="http://schemas.microsoft.com/office/2006/metadata/properties" xmlns:xsi="http://www.w3.org/2001/XMLSchema-instance" xmlns:pc="http://schemas.microsoft.com/office/infopath/2007/PartnerControls">
   <documentManagement>
     <SharedWithUsers xmlns="83cd2334-221a-48c3-9034-bfd1542dfe28">
@@ -45299,40 +45413,13 @@
 </p:properties>
 </file>
 
-<file path=customXml/item12.xml><?xml version="1.0" encoding="utf-8"?>
+<file path=customXml/item25.xml><?xml version="1.0" encoding="utf-8"?>
 <Control xmlns="http://schemas.microsoft.com/VisualStudio/2011/storyboarding/control">
   <Id Name="a53d73d2-368b-429e-b817-1324eec1382c" Revision="1" Stencil="7276b9ef-3953-4dce-a89b-ed85f20b8b93" StencilVersion="1.0"/>
 </Control>
 </file>
 
-<file path=customXml/item13.xml><?xml version="1.0" encoding="utf-8"?>
-<Control xmlns="http://schemas.microsoft.com/VisualStudio/2011/storyboarding/control">
-  <Id Name="d69996e1-3d61-4686-9b63-f1b855c596ab" Revision="1" Stencil="7276b9ef-3953-4dce-a89b-ed85f20b8b93" StencilVersion="1.0"/>
-</Control>
-</file>
-
-<file path=customXml/item14.xml><?xml version="1.0" encoding="utf-8"?>
-<?mso-contentType ?>
-<FormTemplates xmlns="http://schemas.microsoft.com/sharepoint/v3/contenttype/forms">
-  <Display>DocumentLibraryForm</Display>
-  <Edit>DocumentLibraryForm</Edit>
-  <New>DocumentLibraryForm</New>
-</FormTemplates>
-</file>
-
-<file path=customXml/item15.xml><?xml version="1.0" encoding="utf-8"?>
-<Control xmlns="http://schemas.microsoft.com/VisualStudio/2011/storyboarding/control">
-  <Id Name="fb22c541-ded0-47fa-8877-83a4c2d16227" Revision="1" Stencil="7276b9ef-3953-4dce-a89b-ed85f20b8b93" StencilVersion="1.0"/>
-</Control>
-</file>
-
-<file path=customXml/item16.xml><?xml version="1.0" encoding="utf-8"?>
-<Control xmlns="http://schemas.microsoft.com/VisualStudio/2011/storyboarding/control">
-  <Id Name="a53d73d2-368b-429e-b817-1324eec1382c" Revision="1" Stencil="7276b9ef-3953-4dce-a89b-ed85f20b8b93" StencilVersion="1.0"/>
-</Control>
-</file>
-
-<file path=customXml/item17.xml><?xml version="1.0" encoding="utf-8"?>
+<file path=customXml/item26.xml><?xml version="1.0" encoding="utf-8"?>
 <p:properties xmlns:p="http://schemas.microsoft.com/office/2006/metadata/properties" xmlns:xsi="http://www.w3.org/2001/XMLSchema-instance" xmlns:pc="http://schemas.microsoft.com/office/infopath/2007/PartnerControls">
   <documentManagement>
     <SharedWithUsers xmlns="83cd2334-221a-48c3-9034-bfd1542dfe28">
@@ -45356,7 +45443,7 @@
 </p:properties>
 </file>
 
-<file path=customXml/item18.xml><?xml version="1.0" encoding="utf-8"?>
+<file path=customXml/item27.xml><?xml version="1.0" encoding="utf-8"?>
 <p:properties xmlns:p="http://schemas.microsoft.com/office/2006/metadata/properties" xmlns:xsi="http://www.w3.org/2001/XMLSchema-instance" xmlns:pc="http://schemas.microsoft.com/office/infopath/2007/PartnerControls">
   <documentManagement>
     <SharedWithUsers xmlns="83cd2334-221a-48c3-9034-bfd1542dfe28">
@@ -45380,25 +45467,34 @@
 </p:properties>
 </file>
 
-<file path=customXml/item19.xml><?xml version="1.0" encoding="utf-8"?>
-<Control xmlns="http://schemas.microsoft.com/VisualStudio/2011/storyboarding/control">
-  <Id Name="a53d73d2-368b-429e-b817-1324eec1382c" Revision="1" Stencil="7276b9ef-3953-4dce-a89b-ed85f20b8b93" StencilVersion="1.0"/>
-</Control>
+<file path=customXml/item28.xml><?xml version="1.0" encoding="utf-8"?>
+<?mso-contentType ?>
+<FormTemplates xmlns="http://schemas.microsoft.com/sharepoint/v3/contenttype/forms">
+  <Display>DocumentLibraryForm</Display>
+  <Edit>DocumentLibraryForm</Edit>
+  <New>DocumentLibraryForm</New>
+</FormTemplates>
 </file>
 
-<file path=customXml/item2.xml><?xml version="1.0" encoding="utf-8"?>
-<Control xmlns="http://schemas.microsoft.com/VisualStudio/2011/storyboarding/control">
-  <Id Name="369f9055-6b6c-48b9-9320-5df2d46c430a" Revision="1" Stencil="7276b9ef-3953-4dce-a89b-ed85f20b8b93" StencilVersion="1.0"/>
-</Control>
+<file path=customXml/item29.xml><?xml version="1.0" encoding="utf-8"?>
+<?mso-contentType ?>
+<FormTemplates xmlns="http://schemas.microsoft.com/sharepoint/v3/contenttype/forms">
+  <Display>DocumentLibraryForm</Display>
+  <Edit>DocumentLibraryForm</Edit>
+  <New>DocumentLibraryForm</New>
+</FormTemplates>
 </file>
 
-<file path=customXml/item20.xml><?xml version="1.0" encoding="utf-8"?>
-<Control xmlns="http://schemas.microsoft.com/VisualStudio/2011/storyboarding/control">
-  <Id Name="a53d73d2-368b-429e-b817-1324eec1382c" Revision="1" Stencil="7276b9ef-3953-4dce-a89b-ed85f20b8b93" StencilVersion="1.0"/>
-</Control>
+<file path=customXml/item3.xml><?xml version="1.0" encoding="utf-8"?>
+<?mso-contentType ?>
+<FormTemplates xmlns="http://schemas.microsoft.com/sharepoint/v3/contenttype/forms">
+  <Display>DocumentLibraryForm</Display>
+  <Edit>DocumentLibraryForm</Edit>
+  <New>DocumentLibraryForm</New>
+</FormTemplates>
 </file>
 
-<file path=customXml/item21.xml><?xml version="1.0" encoding="utf-8"?>
+<file path=customXml/item30.xml><?xml version="1.0" encoding="utf-8"?>
 <p:properties xmlns:p="http://schemas.microsoft.com/office/2006/metadata/properties" xmlns:xsi="http://www.w3.org/2001/XMLSchema-instance" xmlns:pc="http://schemas.microsoft.com/office/infopath/2007/PartnerControls">
   <documentManagement>
     <SharedWithUsers xmlns="83cd2334-221a-48c3-9034-bfd1542dfe28">
@@ -45422,28 +45518,25 @@
 </p:properties>
 </file>
 
-<file path=customXml/item22.xml><?xml version="1.0" encoding="utf-8"?>
-<?mso-contentType ?>
-<FormTemplates xmlns="http://schemas.microsoft.com/sharepoint/v3/contenttype/forms">
-  <Display>DocumentLibraryForm</Display>
-  <Edit>DocumentLibraryForm</Edit>
-  <New>DocumentLibraryForm</New>
-</FormTemplates>
-</file>
-
-<file path=customXml/item23.xml><?xml version="1.0" encoding="utf-8"?>
+<file path=customXml/item31.xml><?xml version="1.0" encoding="utf-8"?>
 <Control xmlns="http://schemas.microsoft.com/VisualStudio/2011/storyboarding/control">
-  <Id Name="a2191c86-fc50-4add-948c-129f6b5a88d8" Revision="1" Stencil="7276b9ef-3953-4dce-a89b-ed85f20b8b93" StencilVersion="1.0"/>
+  <Id Name="a53d73d2-368b-429e-b817-1324eec1382c" Revision="1" Stencil="7276b9ef-3953-4dce-a89b-ed85f20b8b93" StencilVersion="1.0"/>
 </Control>
 </file>
 
-<file path=customXml/item24.xml><?xml version="1.0" encoding="utf-8"?>
+<file path=customXml/item32.xml><?xml version="1.0" encoding="utf-8"?>
 <Control xmlns="http://schemas.microsoft.com/VisualStudio/2011/storyboarding/control">
-  <Id Name="d69996e1-3d61-4686-9b63-f1b855c596ab" Revision="1" Stencil="7276b9ef-3953-4dce-a89b-ed85f20b8b93" StencilVersion="1.0"/>
+  <Id Name="369f9055-6b6c-48b9-9320-5df2d46c430a" Revision="1" Stencil="7276b9ef-3953-4dce-a89b-ed85f20b8b93" StencilVersion="1.0"/>
 </Control>
 </file>
 
-<file path=customXml/item25.xml><?xml version="1.0" encoding="utf-8"?>
+<file path=customXml/item33.xml><?xml version="1.0" encoding="utf-8"?>
+<Control xmlns="http://schemas.microsoft.com/VisualStudio/2011/storyboarding/control">
+  <Id Name="fb22c541-ded0-47fa-8877-83a4c2d16227" Revision="1" Stencil="7276b9ef-3953-4dce-a89b-ed85f20b8b93" StencilVersion="1.0"/>
+</Control>
+</file>
+
+<file path=customXml/item34.xml><?xml version="1.0" encoding="utf-8"?>
 <p:properties xmlns:p="http://schemas.microsoft.com/office/2006/metadata/properties" xmlns:xsi="http://www.w3.org/2001/XMLSchema-instance" xmlns:pc="http://schemas.microsoft.com/office/infopath/2007/PartnerControls">
   <documentManagement>
     <SharedWithUsers xmlns="83cd2334-221a-48c3-9034-bfd1542dfe28">
@@ -45467,19 +45560,19 @@
 </p:properties>
 </file>
 
-<file path=customXml/item26.xml><?xml version="1.0" encoding="utf-8"?>
+<file path=customXml/item35.xml><?xml version="1.0" encoding="utf-8"?>
 <Control xmlns="http://schemas.microsoft.com/VisualStudio/2011/storyboarding/control">
-  <Id Name="d69996e1-3d61-4686-9b63-f1b855c596ab" Revision="1" Stencil="7276b9ef-3953-4dce-a89b-ed85f20b8b93" StencilVersion="1.0"/>
+  <Id Name="fb22c541-ded0-47fa-8877-83a4c2d16227" Revision="1" Stencil="7276b9ef-3953-4dce-a89b-ed85f20b8b93" StencilVersion="1.0"/>
 </Control>
 </file>
 
-<file path=customXml/item27.xml><?xml version="1.0" encoding="utf-8"?>
+<file path=customXml/item36.xml><?xml version="1.0" encoding="utf-8"?>
 <Control xmlns="http://schemas.microsoft.com/VisualStudio/2011/storyboarding/control">
   <Id Name="a2191c86-fc50-4add-948c-129f6b5a88d8" Revision="1" Stencil="7276b9ef-3953-4dce-a89b-ed85f20b8b93" StencilVersion="1.0"/>
 </Control>
 </file>
 
-<file path=customXml/item28.xml><?xml version="1.0" encoding="utf-8"?>
+<file path=customXml/item37.xml><?xml version="1.0" encoding="utf-8"?>
 <?mso-contentType ?>
 <FormTemplates xmlns="http://schemas.microsoft.com/sharepoint/v3/contenttype/forms">
   <Display>DocumentLibraryForm</Display>
@@ -45488,7 +45581,7 @@
 </FormTemplates>
 </file>
 
-<file path=customXml/item29.xml><?xml version="1.0" encoding="utf-8"?>
+<file path=customXml/item38.xml><?xml version="1.0" encoding="utf-8"?>
 <p:properties xmlns:p="http://schemas.microsoft.com/office/2006/metadata/properties" xmlns:xsi="http://www.w3.org/2001/XMLSchema-instance" xmlns:pc="http://schemas.microsoft.com/office/infopath/2007/PartnerControls">
   <documentManagement>
     <SharedWithUsers xmlns="83cd2334-221a-48c3-9034-bfd1542dfe28">
@@ -45512,31 +45605,19 @@
 </p:properties>
 </file>
 
-<file path=customXml/item3.xml><?xml version="1.0" encoding="utf-8"?>
-<p:properties xmlns:p="http://schemas.microsoft.com/office/2006/metadata/properties" xmlns:xsi="http://www.w3.org/2001/XMLSchema-instance" xmlns:pc="http://schemas.microsoft.com/office/infopath/2007/PartnerControls">
-  <documentManagement>
-    <SharedWithUsers xmlns="83cd2334-221a-48c3-9034-bfd1542dfe28">
-      <UserInfo>
-        <DisplayName>Gilad Turbahn</DisplayName>
-        <AccountId>511</AccountId>
-        <AccountType/>
-      </UserInfo>
-      <UserInfo>
-        <DisplayName>Keith Boyd</DisplayName>
-        <AccountId>993</AccountId>
-        <AccountType/>
-      </UserInfo>
-      <UserInfo>
-        <DisplayName>Christopher Harrison</DisplayName>
-        <AccountId>1176</AccountId>
-        <AccountType/>
-      </UserInfo>
-    </SharedWithUsers>
-  </documentManagement>
-</p:properties>
+<file path=customXml/item39.xml><?xml version="1.0" encoding="utf-8"?>
+<Control xmlns="http://schemas.microsoft.com/VisualStudio/2011/storyboarding/control">
+  <Id Name="fb22c541-ded0-47fa-8877-83a4c2d16227" Revision="1" Stencil="7276b9ef-3953-4dce-a89b-ed85f20b8b93" StencilVersion="1.0"/>
+</Control>
 </file>
 
-<file path=customXml/item30.xml><?xml version="1.0" encoding="utf-8"?>
+<file path=customXml/item4.xml><?xml version="1.0" encoding="utf-8"?>
+<Control xmlns="http://schemas.microsoft.com/VisualStudio/2011/storyboarding/control">
+  <Id Name="369f9055-6b6c-48b9-9320-5df2d46c430a" Revision="1" Stencil="7276b9ef-3953-4dce-a89b-ed85f20b8b93" StencilVersion="1.0"/>
+</Control>
+</file>
+
+<file path=customXml/item40.xml><?xml version="1.0" encoding="utf-8"?>
 <?mso-contentType ?>
 <FormTemplates xmlns="http://schemas.microsoft.com/sharepoint/v3/contenttype/forms">
   <Display>DocumentLibraryForm</Display>
@@ -45545,7 +45626,7 @@
 </FormTemplates>
 </file>
 
-<file path=customXml/item31.xml><?xml version="1.0" encoding="utf-8"?>
+<file path=customXml/item41.xml><?xml version="1.0" encoding="utf-8"?>
 <ct:contentTypeSchema xmlns:ct="http://schemas.microsoft.com/office/2006/metadata/contentType" xmlns:ma="http://schemas.microsoft.com/office/2006/metadata/properties/metaAttributes" ct:_="" ma:_="" ma:contentTypeName="Document" ma:contentTypeID="0x010100674EDBEC711BD14FBA6FF5C10FEFEAC7" ma:contentTypeVersion="2" ma:contentTypeDescription="Create a new document." ma:contentTypeScope="" ma:versionID="2439c5e21841780d4f192983b535a097">
   <xsd:schema xmlns:xsd="http://www.w3.org/2001/XMLSchema" xmlns:xs="http://www.w3.org/2001/XMLSchema" xmlns:p="http://schemas.microsoft.com/office/2006/metadata/properties" xmlns:ns2="83cd2334-221a-48c3-9034-bfd1542dfe28" targetNamespace="http://schemas.microsoft.com/office/2006/metadata/properties" ma:root="true" ma:fieldsID="2bca9163d8d0b233c3086236a9289b04" ns2:_="">
     <xsd:import namespace="83cd2334-221a-48c3-9034-bfd1542dfe28"/>
@@ -45693,111 +45774,15 @@
 </ct:contentTypeSchema>
 </file>
 
-<file path=customXml/item32.xml><?xml version="1.0" encoding="utf-8"?>
-<?mso-contentType ?>
-<FormTemplates xmlns="http://schemas.microsoft.com/sharepoint/v3/contenttype/forms">
-  <Display>DocumentLibraryForm</Display>
-  <Edit>DocumentLibraryForm</Edit>
-  <New>DocumentLibraryForm</New>
-</FormTemplates>
-</file>
-
-<file path=customXml/item33.xml><?xml version="1.0" encoding="utf-8"?>
-<?mso-contentType ?>
-<FormTemplates xmlns="http://schemas.microsoft.com/sharepoint/v3/contenttype/forms">
-  <Display>DocumentLibraryForm</Display>
-  <Edit>DocumentLibraryForm</Edit>
-  <New>DocumentLibraryForm</New>
-</FormTemplates>
-</file>
-
-<file path=customXml/item34.xml><?xml version="1.0" encoding="utf-8"?>
-<Control xmlns="http://schemas.microsoft.com/VisualStudio/2011/storyboarding/control">
-  <Id Name="369f9055-6b6c-48b9-9320-5df2d46c430a" Revision="1" Stencil="7276b9ef-3953-4dce-a89b-ed85f20b8b93" StencilVersion="1.0"/>
-</Control>
-</file>
-
-<file path=customXml/item35.xml><?xml version="1.0" encoding="utf-8"?>
-<?mso-contentType ?>
-<FormTemplates xmlns="http://schemas.microsoft.com/sharepoint/v3/contenttype/forms">
-  <Display>DocumentLibraryForm</Display>
-  <Edit>DocumentLibraryForm</Edit>
-  <New>DocumentLibraryForm</New>
-</FormTemplates>
-</file>
-
-<file path=customXml/item36.xml><?xml version="1.0" encoding="utf-8"?>
-<p:properties xmlns:p="http://schemas.microsoft.com/office/2006/metadata/properties" xmlns:xsi="http://www.w3.org/2001/XMLSchema-instance" xmlns:pc="http://schemas.microsoft.com/office/infopath/2007/PartnerControls">
-  <documentManagement>
-    <SharedWithUsers xmlns="83cd2334-221a-48c3-9034-bfd1542dfe28">
-      <UserInfo>
-        <DisplayName>Gilad Turbahn</DisplayName>
-        <AccountId>511</AccountId>
-        <AccountType/>
-      </UserInfo>
-      <UserInfo>
-        <DisplayName>Keith Boyd</DisplayName>
-        <AccountId>993</AccountId>
-        <AccountType/>
-      </UserInfo>
-      <UserInfo>
-        <DisplayName>Christopher Harrison</DisplayName>
-        <AccountId>1176</AccountId>
-        <AccountType/>
-      </UserInfo>
-    </SharedWithUsers>
-  </documentManagement>
-</p:properties>
-</file>
-
-<file path=customXml/item37.xml><?xml version="1.0" encoding="utf-8"?>
-<Control xmlns="http://schemas.microsoft.com/VisualStudio/2011/storyboarding/control">
-  <Id Name="369f9055-6b6c-48b9-9320-5df2d46c430a" Revision="1" Stencil="7276b9ef-3953-4dce-a89b-ed85f20b8b93" StencilVersion="1.0"/>
-</Control>
-</file>
-
-<file path=customXml/item38.xml><?xml version="1.0" encoding="utf-8"?>
-<?mso-contentType ?>
-<FormTemplates xmlns="http://schemas.microsoft.com/sharepoint/v3/contenttype/forms">
-  <Display>DocumentLibraryForm</Display>
-  <Edit>DocumentLibraryForm</Edit>
-  <New>DocumentLibraryForm</New>
-</FormTemplates>
-</file>
-
-<file path=customXml/item39.xml><?xml version="1.0" encoding="utf-8"?>
+<file path=customXml/item42.xml><?xml version="1.0" encoding="utf-8"?>
 <Control xmlns="http://schemas.microsoft.com/VisualStudio/2011/storyboarding/control">
   <Id Name="fb22c541-ded0-47fa-8877-83a4c2d16227" Revision="1" Stencil="7276b9ef-3953-4dce-a89b-ed85f20b8b93" StencilVersion="1.0"/>
 </Control>
 </file>
 
-<file path=customXml/item4.xml><?xml version="1.0" encoding="utf-8"?>
+<file path=customXml/item43.xml><?xml version="1.0" encoding="utf-8"?>
 <Control xmlns="http://schemas.microsoft.com/VisualStudio/2011/storyboarding/control">
   <Id Name="d69996e1-3d61-4686-9b63-f1b855c596ab" Revision="1" Stencil="7276b9ef-3953-4dce-a89b-ed85f20b8b93" StencilVersion="1.0"/>
-</Control>
-</file>
-
-<file path=customXml/item40.xml><?xml version="1.0" encoding="utf-8"?>
-<Control xmlns="http://schemas.microsoft.com/VisualStudio/2011/storyboarding/control">
-  <Id Name="a53d73d2-368b-429e-b817-1324eec1382c" Revision="1" Stencil="7276b9ef-3953-4dce-a89b-ed85f20b8b93" StencilVersion="1.0"/>
-</Control>
-</file>
-
-<file path=customXml/item41.xml><?xml version="1.0" encoding="utf-8"?>
-<Control xmlns="http://schemas.microsoft.com/VisualStudio/2011/storyboarding/control">
-  <Id Name="369f9055-6b6c-48b9-9320-5df2d46c430a" Revision="1" Stencil="7276b9ef-3953-4dce-a89b-ed85f20b8b93" StencilVersion="1.0"/>
-</Control>
-</file>
-
-<file path=customXml/item42.xml><?xml version="1.0" encoding="utf-8"?>
-<Control xmlns="http://schemas.microsoft.com/VisualStudio/2011/storyboarding/control">
-  <Id Name="a53d73d2-368b-429e-b817-1324eec1382c" Revision="1" Stencil="7276b9ef-3953-4dce-a89b-ed85f20b8b93" StencilVersion="1.0"/>
-</Control>
-</file>
-
-<file path=customXml/item43.xml><?xml version="1.0" encoding="utf-8"?>
-<Control xmlns="http://schemas.microsoft.com/VisualStudio/2011/storyboarding/control">
-  <Id Name="369f9055-6b6c-48b9-9320-5df2d46c430a" Revision="1" Stencil="7276b9ef-3953-4dce-a89b-ed85f20b8b93" StencilVersion="1.0"/>
 </Control>
 </file>
 
@@ -45809,7 +45794,7 @@
 
 <file path=customXml/item45.xml><?xml version="1.0" encoding="utf-8"?>
 <Control xmlns="http://schemas.microsoft.com/VisualStudio/2011/storyboarding/control">
-  <Id Name="a2191c86-fc50-4add-948c-129f6b5a88d8" Revision="1" Stencil="7276b9ef-3953-4dce-a89b-ed85f20b8b93" StencilVersion="1.0"/>
+  <Id Name="d69996e1-3d61-4686-9b63-f1b855c596ab" Revision="1" Stencil="7276b9ef-3953-4dce-a89b-ed85f20b8b93" StencilVersion="1.0"/>
 </Control>
 </file>
 
@@ -45839,38 +45824,56 @@
 
 <file path=customXml/item47.xml><?xml version="1.0" encoding="utf-8"?>
 <Control xmlns="http://schemas.microsoft.com/VisualStudio/2011/storyboarding/control">
-  <Id Name="a2191c86-fc50-4add-948c-129f6b5a88d8" Revision="1" Stencil="7276b9ef-3953-4dce-a89b-ed85f20b8b93" StencilVersion="1.0"/>
+  <Id Name="fb22c541-ded0-47fa-8877-83a4c2d16227" Revision="1" Stencil="7276b9ef-3953-4dce-a89b-ed85f20b8b93" StencilVersion="1.0"/>
 </Control>
 </file>
 
 <file path=customXml/item48.xml><?xml version="1.0" encoding="utf-8"?>
 <Control xmlns="http://schemas.microsoft.com/VisualStudio/2011/storyboarding/control">
-  <Id Name="d69996e1-3d61-4686-9b63-f1b855c596ab" Revision="1" Stencil="7276b9ef-3953-4dce-a89b-ed85f20b8b93" StencilVersion="1.0"/>
+  <Id Name="369f9055-6b6c-48b9-9320-5df2d46c430a" Revision="1" Stencil="7276b9ef-3953-4dce-a89b-ed85f20b8b93" StencilVersion="1.0"/>
 </Control>
 </file>
 
 <file path=customXml/item49.xml><?xml version="1.0" encoding="utf-8"?>
 <Control xmlns="http://schemas.microsoft.com/VisualStudio/2011/storyboarding/control">
-  <Id Name="fb22c541-ded0-47fa-8877-83a4c2d16227" Revision="1" Stencil="7276b9ef-3953-4dce-a89b-ed85f20b8b93" StencilVersion="1.0"/>
+  <Id Name="a2191c86-fc50-4add-948c-129f6b5a88d8" Revision="1" Stencil="7276b9ef-3953-4dce-a89b-ed85f20b8b93" StencilVersion="1.0"/>
 </Control>
 </file>
 
 <file path=customXml/item5.xml><?xml version="1.0" encoding="utf-8"?>
 <Control xmlns="http://schemas.microsoft.com/VisualStudio/2011/storyboarding/control">
-  <Id Name="369f9055-6b6c-48b9-9320-5df2d46c430a" Revision="1" Stencil="7276b9ef-3953-4dce-a89b-ed85f20b8b93" StencilVersion="1.0"/>
+  <Id Name="a53d73d2-368b-429e-b817-1324eec1382c" Revision="1" Stencil="7276b9ef-3953-4dce-a89b-ed85f20b8b93" StencilVersion="1.0"/>
 </Control>
 </file>
 
 <file path=customXml/item50.xml><?xml version="1.0" encoding="utf-8"?>
 <Control xmlns="http://schemas.microsoft.com/VisualStudio/2011/storyboarding/control">
-  <Id Name="a2191c86-fc50-4add-948c-129f6b5a88d8" Revision="1" Stencil="7276b9ef-3953-4dce-a89b-ed85f20b8b93" StencilVersion="1.0"/>
+  <Id Name="d69996e1-3d61-4686-9b63-f1b855c596ab" Revision="1" Stencil="7276b9ef-3953-4dce-a89b-ed85f20b8b93" StencilVersion="1.0"/>
 </Control>
 </file>
 
 <file path=customXml/item51.xml><?xml version="1.0" encoding="utf-8"?>
-<Control xmlns="http://schemas.microsoft.com/VisualStudio/2011/storyboarding/control">
-  <Id Name="a2191c86-fc50-4add-948c-129f6b5a88d8" Revision="1" Stencil="7276b9ef-3953-4dce-a89b-ed85f20b8b93" StencilVersion="1.0"/>
-</Control>
+<p:properties xmlns:p="http://schemas.microsoft.com/office/2006/metadata/properties" xmlns:xsi="http://www.w3.org/2001/XMLSchema-instance" xmlns:pc="http://schemas.microsoft.com/office/infopath/2007/PartnerControls">
+  <documentManagement>
+    <SharedWithUsers xmlns="83cd2334-221a-48c3-9034-bfd1542dfe28">
+      <UserInfo>
+        <DisplayName>Gilad Turbahn</DisplayName>
+        <AccountId>511</AccountId>
+        <AccountType/>
+      </UserInfo>
+      <UserInfo>
+        <DisplayName>Keith Boyd</DisplayName>
+        <AccountId>993</AccountId>
+        <AccountType/>
+      </UserInfo>
+      <UserInfo>
+        <DisplayName>Christopher Harrison</DisplayName>
+        <AccountId>1176</AccountId>
+        <AccountType/>
+      </UserInfo>
+    </SharedWithUsers>
+  </documentManagement>
+</p:properties>
 </file>
 
 <file path=customXml/item6.xml><?xml version="1.0" encoding="utf-8"?>
@@ -45898,12 +45901,27 @@
 </file>
 
 <file path=customXml/item7.xml><?xml version="1.0" encoding="utf-8"?>
-<?mso-contentType ?>
-<FormTemplates xmlns="http://schemas.microsoft.com/sharepoint/v3/contenttype/forms">
-  <Display>DocumentLibraryForm</Display>
-  <Edit>DocumentLibraryForm</Edit>
-  <New>DocumentLibraryForm</New>
-</FormTemplates>
+<p:properties xmlns:p="http://schemas.microsoft.com/office/2006/metadata/properties" xmlns:xsi="http://www.w3.org/2001/XMLSchema-instance" xmlns:pc="http://schemas.microsoft.com/office/infopath/2007/PartnerControls">
+  <documentManagement>
+    <SharedWithUsers xmlns="83cd2334-221a-48c3-9034-bfd1542dfe28">
+      <UserInfo>
+        <DisplayName>Gilad Turbahn</DisplayName>
+        <AccountId>511</AccountId>
+        <AccountType/>
+      </UserInfo>
+      <UserInfo>
+        <DisplayName>Keith Boyd</DisplayName>
+        <AccountId>993</AccountId>
+        <AccountType/>
+      </UserInfo>
+      <UserInfo>
+        <DisplayName>Christopher Harrison</DisplayName>
+        <AccountId>1176</AccountId>
+        <AccountType/>
+      </UserInfo>
+    </SharedWithUsers>
+  </documentManagement>
+</p:properties>
 </file>
 
 <file path=customXml/item8.xml><?xml version="1.0" encoding="utf-8"?>
@@ -45913,13 +45931,16 @@
 </file>
 
 <file path=customXml/item9.xml><?xml version="1.0" encoding="utf-8"?>
-<Control xmlns="http://schemas.microsoft.com/VisualStudio/2011/storyboarding/control">
-  <Id Name="fb22c541-ded0-47fa-8877-83a4c2d16227" Revision="1" Stencil="7276b9ef-3953-4dce-a89b-ed85f20b8b93" StencilVersion="1.0"/>
-</Control>
+<?mso-contentType ?>
+<FormTemplates xmlns="http://schemas.microsoft.com/sharepoint/v3/contenttype/forms">
+  <Display>DocumentLibraryForm</Display>
+  <Edit>DocumentLibraryForm</Edit>
+  <New>DocumentLibraryForm</New>
+</FormTemplates>
 </file>
 
 <file path=customXml/itemProps1.xml><?xml version="1.0" encoding="utf-8"?>
-<ds:datastoreItem xmlns:ds="http://schemas.openxmlformats.org/officeDocument/2006/customXml" ds:itemID="{D6FEE829-2115-45B4-8110-670FD454542B}">
+<ds:datastoreItem xmlns:ds="http://schemas.openxmlformats.org/officeDocument/2006/customXml" ds:itemID="{6FB9D450-4C47-4A44-8C0D-C78D8A54C46F}">
   <ds:schemaRefs>
     <ds:schemaRef ds:uri="http://schemas.microsoft.com/VisualStudio/2011/storyboarding/control"/>
   </ds:schemaRefs>
@@ -45927,15 +45948,127 @@
 </file>
 
 <file path=customXml/itemProps10.xml><?xml version="1.0" encoding="utf-8"?>
-<ds:datastoreItem xmlns:ds="http://schemas.openxmlformats.org/officeDocument/2006/customXml" ds:itemID="{1EF25EC2-965B-4491-9691-6B806C9E3B8B}">
+<ds:datastoreItem xmlns:ds="http://schemas.openxmlformats.org/officeDocument/2006/customXml" ds:itemID="{38217AA1-CC95-49A9-B284-2ED4D347D7CA}">
+  <ds:schemaRefs>
+    <ds:schemaRef ds:uri="http://schemas.microsoft.com/VisualStudio/2011/storyboarding/control"/>
+  </ds:schemaRefs>
+</ds:datastoreItem>
+</file>
+
+<file path=customXml/itemProps11.xml><?xml version="1.0" encoding="utf-8"?>
+<ds:datastoreItem xmlns:ds="http://schemas.openxmlformats.org/officeDocument/2006/customXml" ds:itemID="{4E805D65-1532-4BB0-8F41-8013167C0009}">
+  <ds:schemaRefs>
+    <ds:schemaRef ds:uri="http://schemas.microsoft.com/VisualStudio/2011/storyboarding/control"/>
+  </ds:schemaRefs>
+</ds:datastoreItem>
+</file>
+
+<file path=customXml/itemProps12.xml><?xml version="1.0" encoding="utf-8"?>
+<ds:datastoreItem xmlns:ds="http://schemas.openxmlformats.org/officeDocument/2006/customXml" ds:itemID="{4B16F4FE-7C26-4443-B426-81998D23ED87}">
+  <ds:schemaRefs>
+    <ds:schemaRef ds:uri="http://schemas.microsoft.com/VisualStudio/2011/storyboarding/control"/>
+  </ds:schemaRefs>
+</ds:datastoreItem>
+</file>
+
+<file path=customXml/itemProps13.xml><?xml version="1.0" encoding="utf-8"?>
+<ds:datastoreItem xmlns:ds="http://schemas.openxmlformats.org/officeDocument/2006/customXml" ds:itemID="{08C4EE12-DF69-4FFC-9E40-C7991F3490A6}">
+  <ds:schemaRefs>
+    <ds:schemaRef ds:uri="http://schemas.microsoft.com/VisualStudio/2011/storyboarding/control"/>
+  </ds:schemaRefs>
+</ds:datastoreItem>
+</file>
+
+<file path=customXml/itemProps14.xml><?xml version="1.0" encoding="utf-8"?>
+<ds:datastoreItem xmlns:ds="http://schemas.openxmlformats.org/officeDocument/2006/customXml" ds:itemID="{ED350DFE-2319-4AB0-BC96-1D36D125365A}">
+  <ds:schemaRefs>
+    <ds:schemaRef ds:uri="http://schemas.microsoft.com/VisualStudio/2011/storyboarding/control"/>
+  </ds:schemaRefs>
+</ds:datastoreItem>
+</file>
+
+<file path=customXml/itemProps15.xml><?xml version="1.0" encoding="utf-8"?>
+<ds:datastoreItem xmlns:ds="http://schemas.openxmlformats.org/officeDocument/2006/customXml" ds:itemID="{0AFEAFFC-501F-4A71-8E0A-BCC3D721BFBC}">
   <ds:schemaRefs>
     <ds:schemaRef ds:uri="http://schemas.microsoft.com/sharepoint/v3/contenttype/forms"/>
   </ds:schemaRefs>
 </ds:datastoreItem>
 </file>
 
-<file path=customXml/itemProps11.xml><?xml version="1.0" encoding="utf-8"?>
-<ds:datastoreItem xmlns:ds="http://schemas.openxmlformats.org/officeDocument/2006/customXml" ds:itemID="{E692D73E-1478-4790-BEEC-C5C534998F40}">
+<file path=customXml/itemProps16.xml><?xml version="1.0" encoding="utf-8"?>
+<ds:datastoreItem xmlns:ds="http://schemas.openxmlformats.org/officeDocument/2006/customXml" ds:itemID="{470353D1-3545-4BE2-A17C-548BF46AD9BC}">
+  <ds:schemaRefs>
+    <ds:schemaRef ds:uri="http://schemas.microsoft.com/sharepoint/v3/contenttype/forms"/>
+  </ds:schemaRefs>
+</ds:datastoreItem>
+</file>
+
+<file path=customXml/itemProps17.xml><?xml version="1.0" encoding="utf-8"?>
+<ds:datastoreItem xmlns:ds="http://schemas.openxmlformats.org/officeDocument/2006/customXml" ds:itemID="{3C954CC5-1CAC-4EC3-9791-8630483065B9}">
+  <ds:schemaRefs>
+    <ds:schemaRef ds:uri="http://schemas.microsoft.com/VisualStudio/2011/storyboarding/control"/>
+  </ds:schemaRefs>
+</ds:datastoreItem>
+</file>
+
+<file path=customXml/itemProps18.xml><?xml version="1.0" encoding="utf-8"?>
+<ds:datastoreItem xmlns:ds="http://schemas.openxmlformats.org/officeDocument/2006/customXml" ds:itemID="{2F30C844-8093-47D2-A9B2-B7BEE821CE68}">
+  <ds:schemaRefs>
+    <ds:schemaRef ds:uri="http://schemas.microsoft.com/sharepoint/v3/contenttype/forms"/>
+  </ds:schemaRefs>
+</ds:datastoreItem>
+</file>
+
+<file path=customXml/itemProps19.xml><?xml version="1.0" encoding="utf-8"?>
+<ds:datastoreItem xmlns:ds="http://schemas.openxmlformats.org/officeDocument/2006/customXml" ds:itemID="{758FDAC0-319D-4A54-8D8E-1D42CB1F8004}">
+  <ds:schemaRefs>
+    <ds:schemaRef ds:uri="http://schemas.microsoft.com/sharepoint/v3/contenttype/forms"/>
+  </ds:schemaRefs>
+</ds:datastoreItem>
+</file>
+
+<file path=customXml/itemProps2.xml><?xml version="1.0" encoding="utf-8"?>
+<ds:datastoreItem xmlns:ds="http://schemas.openxmlformats.org/officeDocument/2006/customXml" ds:itemID="{D4B5F268-5930-44CD-BDF1-D0A04D4BBC1C}">
+  <ds:schemaRefs>
+    <ds:schemaRef ds:uri="http://schemas.microsoft.com/VisualStudio/2011/storyboarding/control"/>
+  </ds:schemaRefs>
+</ds:datastoreItem>
+</file>
+
+<file path=customXml/itemProps20.xml><?xml version="1.0" encoding="utf-8"?>
+<ds:datastoreItem xmlns:ds="http://schemas.openxmlformats.org/officeDocument/2006/customXml" ds:itemID="{82DB428A-B8F8-483F-8276-095629A8ECDB}">
+  <ds:schemaRefs>
+    <ds:schemaRef ds:uri="http://schemas.microsoft.com/VisualStudio/2011/storyboarding/control"/>
+  </ds:schemaRefs>
+</ds:datastoreItem>
+</file>
+
+<file path=customXml/itemProps21.xml><?xml version="1.0" encoding="utf-8"?>
+<ds:datastoreItem xmlns:ds="http://schemas.openxmlformats.org/officeDocument/2006/customXml" ds:itemID="{C0F92A87-A216-45A9-B9C0-0515663D35BF}">
+  <ds:schemaRefs>
+    <ds:schemaRef ds:uri="http://schemas.microsoft.com/VisualStudio/2011/storyboarding/control"/>
+  </ds:schemaRefs>
+</ds:datastoreItem>
+</file>
+
+<file path=customXml/itemProps22.xml><?xml version="1.0" encoding="utf-8"?>
+<ds:datastoreItem xmlns:ds="http://schemas.openxmlformats.org/officeDocument/2006/customXml" ds:itemID="{366CA990-F93D-4100-9654-65D9E30F4E1C}">
+  <ds:schemaRefs>
+    <ds:schemaRef ds:uri="http://schemas.microsoft.com/VisualStudio/2011/storyboarding/control"/>
+  </ds:schemaRefs>
+</ds:datastoreItem>
+</file>
+
+<file path=customXml/itemProps23.xml><?xml version="1.0" encoding="utf-8"?>
+<ds:datastoreItem xmlns:ds="http://schemas.openxmlformats.org/officeDocument/2006/customXml" ds:itemID="{0B54C583-7BAB-4080-8093-C5F84F5A225A}">
+  <ds:schemaRefs>
+    <ds:schemaRef ds:uri="http://schemas.microsoft.com/VisualStudio/2011/storyboarding/control"/>
+  </ds:schemaRefs>
+</ds:datastoreItem>
+</file>
+
+<file path=customXml/itemProps24.xml><?xml version="1.0" encoding="utf-8"?>
+<ds:datastoreItem xmlns:ds="http://schemas.openxmlformats.org/officeDocument/2006/customXml" ds:itemID="{17A7EC28-79CF-44E6-BA48-85916A7F29F5}">
   <ds:schemaRefs>
     <ds:schemaRef ds:uri="http://schemas.microsoft.com/office/2006/metadata/properties"/>
     <ds:schemaRef ds:uri="http://schemas.microsoft.com/office/infopath/2007/PartnerControls"/>
@@ -45944,7 +46077,7 @@
 </ds:datastoreItem>
 </file>
 
-<file path=customXml/itemProps12.xml><?xml version="1.0" encoding="utf-8"?>
+<file path=customXml/itemProps25.xml><?xml version="1.0" encoding="utf-8"?>
 <ds:datastoreItem xmlns:ds="http://schemas.openxmlformats.org/officeDocument/2006/customXml" ds:itemID="{21F6B647-976A-41D0-B760-9DF9DFC6AE3C}">
   <ds:schemaRefs>
     <ds:schemaRef ds:uri="http://schemas.microsoft.com/VisualStudio/2011/storyboarding/control"/>
@@ -45952,39 +46085,7 @@
 </ds:datastoreItem>
 </file>
 
-<file path=customXml/itemProps13.xml><?xml version="1.0" encoding="utf-8"?>
-<ds:datastoreItem xmlns:ds="http://schemas.openxmlformats.org/officeDocument/2006/customXml" ds:itemID="{0282FB20-2D4C-459D-8468-77D1D3C6925D}">
-  <ds:schemaRefs>
-    <ds:schemaRef ds:uri="http://schemas.microsoft.com/VisualStudio/2011/storyboarding/control"/>
-  </ds:schemaRefs>
-</ds:datastoreItem>
-</file>
-
-<file path=customXml/itemProps14.xml><?xml version="1.0" encoding="utf-8"?>
-<ds:datastoreItem xmlns:ds="http://schemas.openxmlformats.org/officeDocument/2006/customXml" ds:itemID="{0AFEAFFC-501F-4A71-8E0A-BCC3D721BFBC}">
-  <ds:schemaRefs>
-    <ds:schemaRef ds:uri="http://schemas.microsoft.com/sharepoint/v3/contenttype/forms"/>
-  </ds:schemaRefs>
-</ds:datastoreItem>
-</file>
-
-<file path=customXml/itemProps15.xml><?xml version="1.0" encoding="utf-8"?>
-<ds:datastoreItem xmlns:ds="http://schemas.openxmlformats.org/officeDocument/2006/customXml" ds:itemID="{4C1B3C27-4803-4D72-A3F8-6668A3F0A24B}">
-  <ds:schemaRefs>
-    <ds:schemaRef ds:uri="http://schemas.microsoft.com/VisualStudio/2011/storyboarding/control"/>
-  </ds:schemaRefs>
-</ds:datastoreItem>
-</file>
-
-<file path=customXml/itemProps16.xml><?xml version="1.0" encoding="utf-8"?>
-<ds:datastoreItem xmlns:ds="http://schemas.openxmlformats.org/officeDocument/2006/customXml" ds:itemID="{F68D8396-E21C-4AFF-8FDD-70D00673D0EE}">
-  <ds:schemaRefs>
-    <ds:schemaRef ds:uri="http://schemas.microsoft.com/VisualStudio/2011/storyboarding/control"/>
-  </ds:schemaRefs>
-</ds:datastoreItem>
-</file>
-
-<file path=customXml/itemProps17.xml><?xml version="1.0" encoding="utf-8"?>
+<file path=customXml/itemProps26.xml><?xml version="1.0" encoding="utf-8"?>
 <ds:datastoreItem xmlns:ds="http://schemas.openxmlformats.org/officeDocument/2006/customXml" ds:itemID="{473A6A21-7521-4B81-9336-9B587BA12275}">
   <ds:schemaRefs>
     <ds:schemaRef ds:uri="http://schemas.microsoft.com/office/2006/metadata/properties"/>
@@ -45994,75 +46095,7 @@
 </ds:datastoreItem>
 </file>
 
-<file path=customXml/itemProps18.xml><?xml version="1.0" encoding="utf-8"?>
-<ds:datastoreItem xmlns:ds="http://schemas.openxmlformats.org/officeDocument/2006/customXml" ds:itemID="{46A26515-AC12-45CE-B5C2-487B64D484BF}">
-  <ds:schemaRefs>
-    <ds:schemaRef ds:uri="http://schemas.microsoft.com/office/2006/metadata/properties"/>
-    <ds:schemaRef ds:uri="http://schemas.microsoft.com/office/infopath/2007/PartnerControls"/>
-    <ds:schemaRef ds:uri="83cd2334-221a-48c3-9034-bfd1542dfe28"/>
-  </ds:schemaRefs>
-</ds:datastoreItem>
-</file>
-
-<file path=customXml/itemProps19.xml><?xml version="1.0" encoding="utf-8"?>
-<ds:datastoreItem xmlns:ds="http://schemas.openxmlformats.org/officeDocument/2006/customXml" ds:itemID="{ED350DFE-2319-4AB0-BC96-1D36D125365A}">
-  <ds:schemaRefs>
-    <ds:schemaRef ds:uri="http://schemas.microsoft.com/VisualStudio/2011/storyboarding/control"/>
-  </ds:schemaRefs>
-</ds:datastoreItem>
-</file>
-
-<file path=customXml/itemProps2.xml><?xml version="1.0" encoding="utf-8"?>
-<ds:datastoreItem xmlns:ds="http://schemas.openxmlformats.org/officeDocument/2006/customXml" ds:itemID="{42D603BF-B513-4201-A599-21BA0F4FFC40}">
-  <ds:schemaRefs>
-    <ds:schemaRef ds:uri="http://schemas.microsoft.com/VisualStudio/2011/storyboarding/control"/>
-  </ds:schemaRefs>
-</ds:datastoreItem>
-</file>
-
-<file path=customXml/itemProps20.xml><?xml version="1.0" encoding="utf-8"?>
-<ds:datastoreItem xmlns:ds="http://schemas.openxmlformats.org/officeDocument/2006/customXml" ds:itemID="{8893E80D-6D0C-4E0F-AA22-E5615BB87E5B}">
-  <ds:schemaRefs>
-    <ds:schemaRef ds:uri="http://schemas.microsoft.com/VisualStudio/2011/storyboarding/control"/>
-  </ds:schemaRefs>
-</ds:datastoreItem>
-</file>
-
-<file path=customXml/itemProps21.xml><?xml version="1.0" encoding="utf-8"?>
-<ds:datastoreItem xmlns:ds="http://schemas.openxmlformats.org/officeDocument/2006/customXml" ds:itemID="{CA892322-6599-4C5A-B402-BE6DBAED9B8E}">
-  <ds:schemaRefs>
-    <ds:schemaRef ds:uri="http://schemas.microsoft.com/office/2006/metadata/properties"/>
-    <ds:schemaRef ds:uri="http://schemas.microsoft.com/office/infopath/2007/PartnerControls"/>
-    <ds:schemaRef ds:uri="83cd2334-221a-48c3-9034-bfd1542dfe28"/>
-  </ds:schemaRefs>
-</ds:datastoreItem>
-</file>
-
-<file path=customXml/itemProps22.xml><?xml version="1.0" encoding="utf-8"?>
-<ds:datastoreItem xmlns:ds="http://schemas.openxmlformats.org/officeDocument/2006/customXml" ds:itemID="{470353D1-3545-4BE2-A17C-548BF46AD9BC}">
-  <ds:schemaRefs>
-    <ds:schemaRef ds:uri="http://schemas.microsoft.com/sharepoint/v3/contenttype/forms"/>
-  </ds:schemaRefs>
-</ds:datastoreItem>
-</file>
-
-<file path=customXml/itemProps23.xml><?xml version="1.0" encoding="utf-8"?>
-<ds:datastoreItem xmlns:ds="http://schemas.openxmlformats.org/officeDocument/2006/customXml" ds:itemID="{8BD595CA-AC5E-43B9-B966-E468A16E8322}">
-  <ds:schemaRefs>
-    <ds:schemaRef ds:uri="http://schemas.microsoft.com/VisualStudio/2011/storyboarding/control"/>
-  </ds:schemaRefs>
-</ds:datastoreItem>
-</file>
-
-<file path=customXml/itemProps24.xml><?xml version="1.0" encoding="utf-8"?>
-<ds:datastoreItem xmlns:ds="http://schemas.openxmlformats.org/officeDocument/2006/customXml" ds:itemID="{3DC6CABD-46E1-4C27-A0B3-616DC56F8E5C}">
-  <ds:schemaRefs>
-    <ds:schemaRef ds:uri="http://schemas.microsoft.com/VisualStudio/2011/storyboarding/control"/>
-  </ds:schemaRefs>
-</ds:datastoreItem>
-</file>
-
-<file path=customXml/itemProps25.xml><?xml version="1.0" encoding="utf-8"?>
+<file path=customXml/itemProps27.xml><?xml version="1.0" encoding="utf-8"?>
 <ds:datastoreItem xmlns:ds="http://schemas.openxmlformats.org/officeDocument/2006/customXml" ds:itemID="{B18102BA-C10B-41D1-8610-3D321D638DD2}">
   <ds:schemaRefs>
     <ds:schemaRef ds:uri="http://schemas.microsoft.com/office/2006/metadata/properties"/>
@@ -46072,24 +46105,8 @@
 </ds:datastoreItem>
 </file>
 
-<file path=customXml/itemProps26.xml><?xml version="1.0" encoding="utf-8"?>
-<ds:datastoreItem xmlns:ds="http://schemas.openxmlformats.org/officeDocument/2006/customXml" ds:itemID="{C63AC2F0-1DEB-4E91-A88A-7A014A172F4F}">
-  <ds:schemaRefs>
-    <ds:schemaRef ds:uri="http://schemas.microsoft.com/VisualStudio/2011/storyboarding/control"/>
-  </ds:schemaRefs>
-</ds:datastoreItem>
-</file>
-
-<file path=customXml/itemProps27.xml><?xml version="1.0" encoding="utf-8"?>
-<ds:datastoreItem xmlns:ds="http://schemas.openxmlformats.org/officeDocument/2006/customXml" ds:itemID="{3C954CC5-1CAC-4EC3-9791-8630483065B9}">
-  <ds:schemaRefs>
-    <ds:schemaRef ds:uri="http://schemas.microsoft.com/VisualStudio/2011/storyboarding/control"/>
-  </ds:schemaRefs>
-</ds:datastoreItem>
-</file>
-
 <file path=customXml/itemProps28.xml><?xml version="1.0" encoding="utf-8"?>
-<ds:datastoreItem xmlns:ds="http://schemas.openxmlformats.org/officeDocument/2006/customXml" ds:itemID="{9360AFB9-8F99-4E1B-878D-F2EBABEB164C}">
+<ds:datastoreItem xmlns:ds="http://schemas.openxmlformats.org/officeDocument/2006/customXml" ds:itemID="{71AE1ABA-EE71-4D7C-AE19-D2A04FC317D0}">
   <ds:schemaRefs>
     <ds:schemaRef ds:uri="http://schemas.microsoft.com/sharepoint/v3/contenttype/forms"/>
   </ds:schemaRefs>
@@ -46097,7 +46114,23 @@
 </file>
 
 <file path=customXml/itemProps29.xml><?xml version="1.0" encoding="utf-8"?>
-<ds:datastoreItem xmlns:ds="http://schemas.openxmlformats.org/officeDocument/2006/customXml" ds:itemID="{1C76383C-FD09-474B-94B3-126FB1A7D094}">
+<ds:datastoreItem xmlns:ds="http://schemas.openxmlformats.org/officeDocument/2006/customXml" ds:itemID="{F62CB601-BD41-43CD-A6CC-9F2CB469F566}">
+  <ds:schemaRefs>
+    <ds:schemaRef ds:uri="http://schemas.microsoft.com/sharepoint/v3/contenttype/forms"/>
+  </ds:schemaRefs>
+</ds:datastoreItem>
+</file>
+
+<file path=customXml/itemProps3.xml><?xml version="1.0" encoding="utf-8"?>
+<ds:datastoreItem xmlns:ds="http://schemas.openxmlformats.org/officeDocument/2006/customXml" ds:itemID="{8E7D1C6F-2F1C-4FF7-8E81-B00199180E81}">
+  <ds:schemaRefs>
+    <ds:schemaRef ds:uri="http://schemas.microsoft.com/sharepoint/v3/contenttype/forms"/>
+  </ds:schemaRefs>
+</ds:datastoreItem>
+</file>
+
+<file path=customXml/itemProps30.xml><?xml version="1.0" encoding="utf-8"?>
+<ds:datastoreItem xmlns:ds="http://schemas.openxmlformats.org/officeDocument/2006/customXml" ds:itemID="{81DD4CB8-B03E-4D3B-B5B6-1C29F513A071}">
   <ds:schemaRefs>
     <ds:schemaRef ds:uri="http://schemas.microsoft.com/office/2006/metadata/properties"/>
     <ds:schemaRef ds:uri="http://schemas.microsoft.com/office/infopath/2007/PartnerControls"/>
@@ -46106,8 +46139,32 @@
 </ds:datastoreItem>
 </file>
 
-<file path=customXml/itemProps3.xml><?xml version="1.0" encoding="utf-8"?>
-<ds:datastoreItem xmlns:ds="http://schemas.openxmlformats.org/officeDocument/2006/customXml" ds:itemID="{17A7EC28-79CF-44E6-BA48-85916A7F29F5}">
+<file path=customXml/itemProps31.xml><?xml version="1.0" encoding="utf-8"?>
+<ds:datastoreItem xmlns:ds="http://schemas.openxmlformats.org/officeDocument/2006/customXml" ds:itemID="{8893E80D-6D0C-4E0F-AA22-E5615BB87E5B}">
+  <ds:schemaRefs>
+    <ds:schemaRef ds:uri="http://schemas.microsoft.com/VisualStudio/2011/storyboarding/control"/>
+  </ds:schemaRefs>
+</ds:datastoreItem>
+</file>
+
+<file path=customXml/itemProps32.xml><?xml version="1.0" encoding="utf-8"?>
+<ds:datastoreItem xmlns:ds="http://schemas.openxmlformats.org/officeDocument/2006/customXml" ds:itemID="{FE651ABA-5DC1-4ABD-A06E-055AE54B337B}">
+  <ds:schemaRefs>
+    <ds:schemaRef ds:uri="http://schemas.microsoft.com/VisualStudio/2011/storyboarding/control"/>
+  </ds:schemaRefs>
+</ds:datastoreItem>
+</file>
+
+<file path=customXml/itemProps33.xml><?xml version="1.0" encoding="utf-8"?>
+<ds:datastoreItem xmlns:ds="http://schemas.openxmlformats.org/officeDocument/2006/customXml" ds:itemID="{D6FEE829-2115-45B4-8110-670FD454542B}">
+  <ds:schemaRefs>
+    <ds:schemaRef ds:uri="http://schemas.microsoft.com/VisualStudio/2011/storyboarding/control"/>
+  </ds:schemaRefs>
+</ds:datastoreItem>
+</file>
+
+<file path=customXml/itemProps34.xml><?xml version="1.0" encoding="utf-8"?>
+<ds:datastoreItem xmlns:ds="http://schemas.openxmlformats.org/officeDocument/2006/customXml" ds:itemID="{F990F116-B58F-4255-B05B-DA3808E0E5C6}">
   <ds:schemaRefs>
     <ds:schemaRef ds:uri="http://schemas.microsoft.com/office/2006/metadata/properties"/>
     <ds:schemaRef ds:uri="http://schemas.microsoft.com/office/infopath/2007/PartnerControls"/>
@@ -46116,15 +46173,65 @@
 </ds:datastoreItem>
 </file>
 
-<file path=customXml/itemProps30.xml><?xml version="1.0" encoding="utf-8"?>
-<ds:datastoreItem xmlns:ds="http://schemas.openxmlformats.org/officeDocument/2006/customXml" ds:itemID="{2F30C844-8093-47D2-A9B2-B7BEE821CE68}">
+<file path=customXml/itemProps35.xml><?xml version="1.0" encoding="utf-8"?>
+<ds:datastoreItem xmlns:ds="http://schemas.openxmlformats.org/officeDocument/2006/customXml" ds:itemID="{4C1B3C27-4803-4D72-A3F8-6668A3F0A24B}">
+  <ds:schemaRefs>
+    <ds:schemaRef ds:uri="http://schemas.microsoft.com/VisualStudio/2011/storyboarding/control"/>
+  </ds:schemaRefs>
+</ds:datastoreItem>
+</file>
+
+<file path=customXml/itemProps36.xml><?xml version="1.0" encoding="utf-8"?>
+<ds:datastoreItem xmlns:ds="http://schemas.openxmlformats.org/officeDocument/2006/customXml" ds:itemID="{8BD595CA-AC5E-43B9-B966-E468A16E8322}">
+  <ds:schemaRefs>
+    <ds:schemaRef ds:uri="http://schemas.microsoft.com/VisualStudio/2011/storyboarding/control"/>
+  </ds:schemaRefs>
+</ds:datastoreItem>
+</file>
+
+<file path=customXml/itemProps37.xml><?xml version="1.0" encoding="utf-8"?>
+<ds:datastoreItem xmlns:ds="http://schemas.openxmlformats.org/officeDocument/2006/customXml" ds:itemID="{9360AFB9-8F99-4E1B-878D-F2EBABEB164C}">
   <ds:schemaRefs>
     <ds:schemaRef ds:uri="http://schemas.microsoft.com/sharepoint/v3/contenttype/forms"/>
   </ds:schemaRefs>
 </ds:datastoreItem>
 </file>
 
-<file path=customXml/itemProps31.xml><?xml version="1.0" encoding="utf-8"?>
+<file path=customXml/itemProps38.xml><?xml version="1.0" encoding="utf-8"?>
+<ds:datastoreItem xmlns:ds="http://schemas.openxmlformats.org/officeDocument/2006/customXml" ds:itemID="{6018CCD6-C254-44D3-91D5-EC4D81FDEBEC}">
+  <ds:schemaRefs>
+    <ds:schemaRef ds:uri="http://schemas.microsoft.com/office/2006/metadata/properties"/>
+    <ds:schemaRef ds:uri="http://schemas.microsoft.com/office/infopath/2007/PartnerControls"/>
+    <ds:schemaRef ds:uri="83cd2334-221a-48c3-9034-bfd1542dfe28"/>
+  </ds:schemaRefs>
+</ds:datastoreItem>
+</file>
+
+<file path=customXml/itemProps39.xml><?xml version="1.0" encoding="utf-8"?>
+<ds:datastoreItem xmlns:ds="http://schemas.openxmlformats.org/officeDocument/2006/customXml" ds:itemID="{B5105A87-47B6-44F6-97FD-4619C0556604}">
+  <ds:schemaRefs>
+    <ds:schemaRef ds:uri="http://schemas.microsoft.com/VisualStudio/2011/storyboarding/control"/>
+  </ds:schemaRefs>
+</ds:datastoreItem>
+</file>
+
+<file path=customXml/itemProps4.xml><?xml version="1.0" encoding="utf-8"?>
+<ds:datastoreItem xmlns:ds="http://schemas.openxmlformats.org/officeDocument/2006/customXml" ds:itemID="{42D603BF-B513-4201-A599-21BA0F4FFC40}">
+  <ds:schemaRefs>
+    <ds:schemaRef ds:uri="http://schemas.microsoft.com/VisualStudio/2011/storyboarding/control"/>
+  </ds:schemaRefs>
+</ds:datastoreItem>
+</file>
+
+<file path=customXml/itemProps40.xml><?xml version="1.0" encoding="utf-8"?>
+<ds:datastoreItem xmlns:ds="http://schemas.openxmlformats.org/officeDocument/2006/customXml" ds:itemID="{1EF25EC2-965B-4491-9691-6B806C9E3B8B}">
+  <ds:schemaRefs>
+    <ds:schemaRef ds:uri="http://schemas.microsoft.com/sharepoint/v3/contenttype/forms"/>
+  </ds:schemaRefs>
+</ds:datastoreItem>
+</file>
+
+<file path=customXml/itemProps41.xml><?xml version="1.0" encoding="utf-8"?>
 <ds:datastoreItem xmlns:ds="http://schemas.openxmlformats.org/officeDocument/2006/customXml" ds:itemID="{11F98F69-7518-4AE2-AE7B-E037DC9DDC97}">
   <ds:schemaRefs>
     <ds:schemaRef ds:uri="http://schemas.microsoft.com/office/2006/metadata/contentType"/>
@@ -46142,73 +46249,15 @@
 </ds:datastoreItem>
 </file>
 
-<file path=customXml/itemProps32.xml><?xml version="1.0" encoding="utf-8"?>
-<ds:datastoreItem xmlns:ds="http://schemas.openxmlformats.org/officeDocument/2006/customXml" ds:itemID="{8CFA17AA-8D1D-41BA-81E2-B1C9B1D8F8E0}">
-  <ds:schemaRefs>
-    <ds:schemaRef ds:uri="http://schemas.microsoft.com/sharepoint/v3/contenttype/forms"/>
-  </ds:schemaRefs>
-</ds:datastoreItem>
-</file>
-
-<file path=customXml/itemProps33.xml><?xml version="1.0" encoding="utf-8"?>
-<ds:datastoreItem xmlns:ds="http://schemas.openxmlformats.org/officeDocument/2006/customXml" ds:itemID="{71AE1ABA-EE71-4D7C-AE19-D2A04FC317D0}">
-  <ds:schemaRefs>
-    <ds:schemaRef ds:uri="http://schemas.microsoft.com/sharepoint/v3/contenttype/forms"/>
-  </ds:schemaRefs>
-</ds:datastoreItem>
-</file>
-
-<file path=customXml/itemProps34.xml><?xml version="1.0" encoding="utf-8"?>
-<ds:datastoreItem xmlns:ds="http://schemas.openxmlformats.org/officeDocument/2006/customXml" ds:itemID="{7959CC6A-F423-4783-B968-3BCC86A7394E}">
+<file path=customXml/itemProps42.xml><?xml version="1.0" encoding="utf-8"?>
+<ds:datastoreItem xmlns:ds="http://schemas.openxmlformats.org/officeDocument/2006/customXml" ds:itemID="{4E8278DB-3CDD-48A7-992E-A7596AD335B9}">
   <ds:schemaRefs>
     <ds:schemaRef ds:uri="http://schemas.microsoft.com/VisualStudio/2011/storyboarding/control"/>
   </ds:schemaRefs>
 </ds:datastoreItem>
 </file>
 
-<file path=customXml/itemProps35.xml><?xml version="1.0" encoding="utf-8"?>
-<ds:datastoreItem xmlns:ds="http://schemas.openxmlformats.org/officeDocument/2006/customXml" ds:itemID="{758FDAC0-319D-4A54-8D8E-1D42CB1F8004}">
-  <ds:schemaRefs>
-    <ds:schemaRef ds:uri="http://schemas.microsoft.com/sharepoint/v3/contenttype/forms"/>
-  </ds:schemaRefs>
-</ds:datastoreItem>
-</file>
-
-<file path=customXml/itemProps36.xml><?xml version="1.0" encoding="utf-8"?>
-<ds:datastoreItem xmlns:ds="http://schemas.openxmlformats.org/officeDocument/2006/customXml" ds:itemID="{6018CCD6-C254-44D3-91D5-EC4D81FDEBEC}">
-  <ds:schemaRefs>
-    <ds:schemaRef ds:uri="http://schemas.microsoft.com/office/2006/metadata/properties"/>
-    <ds:schemaRef ds:uri="http://schemas.microsoft.com/office/infopath/2007/PartnerControls"/>
-    <ds:schemaRef ds:uri="83cd2334-221a-48c3-9034-bfd1542dfe28"/>
-  </ds:schemaRefs>
-</ds:datastoreItem>
-</file>
-
-<file path=customXml/itemProps37.xml><?xml version="1.0" encoding="utf-8"?>
-<ds:datastoreItem xmlns:ds="http://schemas.openxmlformats.org/officeDocument/2006/customXml" ds:itemID="{38217AA1-CC95-49A9-B284-2ED4D347D7CA}">
-  <ds:schemaRefs>
-    <ds:schemaRef ds:uri="http://schemas.microsoft.com/VisualStudio/2011/storyboarding/control"/>
-  </ds:schemaRefs>
-</ds:datastoreItem>
-</file>
-
-<file path=customXml/itemProps38.xml><?xml version="1.0" encoding="utf-8"?>
-<ds:datastoreItem xmlns:ds="http://schemas.openxmlformats.org/officeDocument/2006/customXml" ds:itemID="{F62CB601-BD41-43CD-A6CC-9F2CB469F566}">
-  <ds:schemaRefs>
-    <ds:schemaRef ds:uri="http://schemas.microsoft.com/sharepoint/v3/contenttype/forms"/>
-  </ds:schemaRefs>
-</ds:datastoreItem>
-</file>
-
-<file path=customXml/itemProps39.xml><?xml version="1.0" encoding="utf-8"?>
-<ds:datastoreItem xmlns:ds="http://schemas.openxmlformats.org/officeDocument/2006/customXml" ds:itemID="{432851C6-BC05-4673-B853-6D08AB80CDC4}">
-  <ds:schemaRefs>
-    <ds:schemaRef ds:uri="http://schemas.microsoft.com/VisualStudio/2011/storyboarding/control"/>
-  </ds:schemaRefs>
-</ds:datastoreItem>
-</file>
-
-<file path=customXml/itemProps4.xml><?xml version="1.0" encoding="utf-8"?>
+<file path=customXml/itemProps43.xml><?xml version="1.0" encoding="utf-8"?>
 <ds:datastoreItem xmlns:ds="http://schemas.openxmlformats.org/officeDocument/2006/customXml" ds:itemID="{67213E6F-7B96-4222-888B-63710B06D885}">
   <ds:schemaRefs>
     <ds:schemaRef ds:uri="http://schemas.microsoft.com/VisualStudio/2011/storyboarding/control"/>
@@ -46216,40 +46265,8 @@
 </ds:datastoreItem>
 </file>
 
-<file path=customXml/itemProps40.xml><?xml version="1.0" encoding="utf-8"?>
-<ds:datastoreItem xmlns:ds="http://schemas.openxmlformats.org/officeDocument/2006/customXml" ds:itemID="{4E805D65-1532-4BB0-8F41-8013167C0009}">
-  <ds:schemaRefs>
-    <ds:schemaRef ds:uri="http://schemas.microsoft.com/VisualStudio/2011/storyboarding/control"/>
-  </ds:schemaRefs>
-</ds:datastoreItem>
-</file>
-
-<file path=customXml/itemProps41.xml><?xml version="1.0" encoding="utf-8"?>
-<ds:datastoreItem xmlns:ds="http://schemas.openxmlformats.org/officeDocument/2006/customXml" ds:itemID="{FE651ABA-5DC1-4ABD-A06E-055AE54B337B}">
-  <ds:schemaRefs>
-    <ds:schemaRef ds:uri="http://schemas.microsoft.com/VisualStudio/2011/storyboarding/control"/>
-  </ds:schemaRefs>
-</ds:datastoreItem>
-</file>
-
-<file path=customXml/itemProps42.xml><?xml version="1.0" encoding="utf-8"?>
-<ds:datastoreItem xmlns:ds="http://schemas.openxmlformats.org/officeDocument/2006/customXml" ds:itemID="{6FB9D450-4C47-4A44-8C0D-C78D8A54C46F}">
-  <ds:schemaRefs>
-    <ds:schemaRef ds:uri="http://schemas.microsoft.com/VisualStudio/2011/storyboarding/control"/>
-  </ds:schemaRefs>
-</ds:datastoreItem>
-</file>
-
-<file path=customXml/itemProps43.xml><?xml version="1.0" encoding="utf-8"?>
-<ds:datastoreItem xmlns:ds="http://schemas.openxmlformats.org/officeDocument/2006/customXml" ds:itemID="{82DB428A-B8F8-483F-8276-095629A8ECDB}">
-  <ds:schemaRefs>
-    <ds:schemaRef ds:uri="http://schemas.microsoft.com/VisualStudio/2011/storyboarding/control"/>
-  </ds:schemaRefs>
-</ds:datastoreItem>
-</file>
-
 <file path=customXml/itemProps44.xml><?xml version="1.0" encoding="utf-8"?>
-<ds:datastoreItem xmlns:ds="http://schemas.openxmlformats.org/officeDocument/2006/customXml" ds:itemID="{4E8278DB-3CDD-48A7-992E-A7596AD335B9}">
+<ds:datastoreItem xmlns:ds="http://schemas.openxmlformats.org/officeDocument/2006/customXml" ds:itemID="{376216F9-AF6B-4844-AE8C-B9F953F916AB}">
   <ds:schemaRefs>
     <ds:schemaRef ds:uri="http://schemas.microsoft.com/VisualStudio/2011/storyboarding/control"/>
   </ds:schemaRefs>
@@ -46257,7 +46274,7 @@
 </file>
 
 <file path=customXml/itemProps45.xml><?xml version="1.0" encoding="utf-8"?>
-<ds:datastoreItem xmlns:ds="http://schemas.openxmlformats.org/officeDocument/2006/customXml" ds:itemID="{4B16F4FE-7C26-4443-B426-81998D23ED87}">
+<ds:datastoreItem xmlns:ds="http://schemas.openxmlformats.org/officeDocument/2006/customXml" ds:itemID="{0282FB20-2D4C-459D-8468-77D1D3C6925D}">
   <ds:schemaRefs>
     <ds:schemaRef ds:uri="http://schemas.microsoft.com/VisualStudio/2011/storyboarding/control"/>
   </ds:schemaRefs>
@@ -46265,7 +46282,7 @@
 </file>
 
 <file path=customXml/itemProps46.xml><?xml version="1.0" encoding="utf-8"?>
-<ds:datastoreItem xmlns:ds="http://schemas.openxmlformats.org/officeDocument/2006/customXml" ds:itemID="{81DD4CB8-B03E-4D3B-B5B6-1C29F513A071}">
+<ds:datastoreItem xmlns:ds="http://schemas.openxmlformats.org/officeDocument/2006/customXml" ds:itemID="{46A26515-AC12-45CE-B5C2-487B64D484BF}">
   <ds:schemaRefs>
     <ds:schemaRef ds:uri="http://schemas.microsoft.com/office/2006/metadata/properties"/>
     <ds:schemaRef ds:uri="http://schemas.microsoft.com/office/infopath/2007/PartnerControls"/>
@@ -46275,7 +46292,7 @@
 </file>
 
 <file path=customXml/itemProps47.xml><?xml version="1.0" encoding="utf-8"?>
-<ds:datastoreItem xmlns:ds="http://schemas.openxmlformats.org/officeDocument/2006/customXml" ds:itemID="{D4B5F268-5930-44CD-BDF1-D0A04D4BBC1C}">
+<ds:datastoreItem xmlns:ds="http://schemas.openxmlformats.org/officeDocument/2006/customXml" ds:itemID="{432851C6-BC05-4673-B853-6D08AB80CDC4}">
   <ds:schemaRefs>
     <ds:schemaRef ds:uri="http://schemas.microsoft.com/VisualStudio/2011/storyboarding/control"/>
   </ds:schemaRefs>
@@ -46283,7 +46300,7 @@
 </file>
 
 <file path=customXml/itemProps48.xml><?xml version="1.0" encoding="utf-8"?>
-<ds:datastoreItem xmlns:ds="http://schemas.openxmlformats.org/officeDocument/2006/customXml" ds:itemID="{C0F92A87-A216-45A9-B9C0-0515663D35BF}">
+<ds:datastoreItem xmlns:ds="http://schemas.openxmlformats.org/officeDocument/2006/customXml" ds:itemID="{7959CC6A-F423-4783-B968-3BCC86A7394E}">
   <ds:schemaRefs>
     <ds:schemaRef ds:uri="http://schemas.microsoft.com/VisualStudio/2011/storyboarding/control"/>
   </ds:schemaRefs>
@@ -46291,7 +46308,7 @@
 </file>
 
 <file path=customXml/itemProps49.xml><?xml version="1.0" encoding="utf-8"?>
-<ds:datastoreItem xmlns:ds="http://schemas.openxmlformats.org/officeDocument/2006/customXml" ds:itemID="{B5105A87-47B6-44F6-97FD-4619C0556604}">
+<ds:datastoreItem xmlns:ds="http://schemas.openxmlformats.org/officeDocument/2006/customXml" ds:itemID="{8257D6BC-B71E-4D95-81E4-A1D4A8174168}">
   <ds:schemaRefs>
     <ds:schemaRef ds:uri="http://schemas.microsoft.com/VisualStudio/2011/storyboarding/control"/>
   </ds:schemaRefs>
@@ -46299,7 +46316,7 @@
 </file>
 
 <file path=customXml/itemProps5.xml><?xml version="1.0" encoding="utf-8"?>
-<ds:datastoreItem xmlns:ds="http://schemas.openxmlformats.org/officeDocument/2006/customXml" ds:itemID="{08C4EE12-DF69-4FFC-9E40-C7991F3490A6}">
+<ds:datastoreItem xmlns:ds="http://schemas.openxmlformats.org/officeDocument/2006/customXml" ds:itemID="{F68D8396-E21C-4AFF-8FDD-70D00673D0EE}">
   <ds:schemaRefs>
     <ds:schemaRef ds:uri="http://schemas.microsoft.com/VisualStudio/2011/storyboarding/control"/>
   </ds:schemaRefs>
@@ -46307,7 +46324,7 @@
 </file>
 
 <file path=customXml/itemProps50.xml><?xml version="1.0" encoding="utf-8"?>
-<ds:datastoreItem xmlns:ds="http://schemas.openxmlformats.org/officeDocument/2006/customXml" ds:itemID="{8257D6BC-B71E-4D95-81E4-A1D4A8174168}">
+<ds:datastoreItem xmlns:ds="http://schemas.openxmlformats.org/officeDocument/2006/customXml" ds:itemID="{C63AC2F0-1DEB-4E91-A88A-7A014A172F4F}">
   <ds:schemaRefs>
     <ds:schemaRef ds:uri="http://schemas.microsoft.com/VisualStudio/2011/storyboarding/control"/>
   </ds:schemaRefs>
@@ -46315,15 +46332,17 @@
 </file>
 
 <file path=customXml/itemProps51.xml><?xml version="1.0" encoding="utf-8"?>
-<ds:datastoreItem xmlns:ds="http://schemas.openxmlformats.org/officeDocument/2006/customXml" ds:itemID="{0B54C583-7BAB-4080-8093-C5F84F5A225A}">
+<ds:datastoreItem xmlns:ds="http://schemas.openxmlformats.org/officeDocument/2006/customXml" ds:itemID="{CA892322-6599-4C5A-B402-BE6DBAED9B8E}">
   <ds:schemaRefs>
-    <ds:schemaRef ds:uri="http://schemas.microsoft.com/VisualStudio/2011/storyboarding/control"/>
+    <ds:schemaRef ds:uri="http://schemas.microsoft.com/office/2006/metadata/properties"/>
+    <ds:schemaRef ds:uri="http://schemas.microsoft.com/office/infopath/2007/PartnerControls"/>
+    <ds:schemaRef ds:uri="83cd2334-221a-48c3-9034-bfd1542dfe28"/>
   </ds:schemaRefs>
 </ds:datastoreItem>
 </file>
 
 <file path=customXml/itemProps6.xml><?xml version="1.0" encoding="utf-8"?>
-<ds:datastoreItem xmlns:ds="http://schemas.openxmlformats.org/officeDocument/2006/customXml" ds:itemID="{F990F116-B58F-4255-B05B-DA3808E0E5C6}">
+<ds:datastoreItem xmlns:ds="http://schemas.openxmlformats.org/officeDocument/2006/customXml" ds:itemID="{1C76383C-FD09-474B-94B3-126FB1A7D094}">
   <ds:schemaRefs>
     <ds:schemaRef ds:uri="http://schemas.microsoft.com/office/2006/metadata/properties"/>
     <ds:schemaRef ds:uri="http://schemas.microsoft.com/office/infopath/2007/PartnerControls"/>
@@ -46333,15 +46352,17 @@
 </file>
 
 <file path=customXml/itemProps7.xml><?xml version="1.0" encoding="utf-8"?>
-<ds:datastoreItem xmlns:ds="http://schemas.openxmlformats.org/officeDocument/2006/customXml" ds:itemID="{8E7D1C6F-2F1C-4FF7-8E81-B00199180E81}">
+<ds:datastoreItem xmlns:ds="http://schemas.openxmlformats.org/officeDocument/2006/customXml" ds:itemID="{E692D73E-1478-4790-BEEC-C5C534998F40}">
   <ds:schemaRefs>
-    <ds:schemaRef ds:uri="http://schemas.microsoft.com/sharepoint/v3/contenttype/forms"/>
+    <ds:schemaRef ds:uri="http://schemas.microsoft.com/office/2006/metadata/properties"/>
+    <ds:schemaRef ds:uri="http://schemas.microsoft.com/office/infopath/2007/PartnerControls"/>
+    <ds:schemaRef ds:uri="83cd2334-221a-48c3-9034-bfd1542dfe28"/>
   </ds:schemaRefs>
 </ds:datastoreItem>
 </file>
 
 <file path=customXml/itemProps8.xml><?xml version="1.0" encoding="utf-8"?>
-<ds:datastoreItem xmlns:ds="http://schemas.openxmlformats.org/officeDocument/2006/customXml" ds:itemID="{366CA990-F93D-4100-9654-65D9E30F4E1C}">
+<ds:datastoreItem xmlns:ds="http://schemas.openxmlformats.org/officeDocument/2006/customXml" ds:itemID="{3DC6CABD-46E1-4C27-A0B3-616DC56F8E5C}">
   <ds:schemaRefs>
     <ds:schemaRef ds:uri="http://schemas.microsoft.com/VisualStudio/2011/storyboarding/control"/>
   </ds:schemaRefs>
@@ -46349,9 +46370,9 @@
 </file>
 
 <file path=customXml/itemProps9.xml><?xml version="1.0" encoding="utf-8"?>
-<ds:datastoreItem xmlns:ds="http://schemas.openxmlformats.org/officeDocument/2006/customXml" ds:itemID="{376216F9-AF6B-4844-AE8C-B9F953F916AB}">
+<ds:datastoreItem xmlns:ds="http://schemas.openxmlformats.org/officeDocument/2006/customXml" ds:itemID="{8CFA17AA-8D1D-41BA-81E2-B1C9B1D8F8E0}">
   <ds:schemaRefs>
-    <ds:schemaRef ds:uri="http://schemas.microsoft.com/VisualStudio/2011/storyboarding/control"/>
+    <ds:schemaRef ds:uri="http://schemas.microsoft.com/sharepoint/v3/contenttype/forms"/>
   </ds:schemaRefs>
 </ds:datastoreItem>
 </file>